--- a/img/Archive/project 이미지 생성용.pptx
+++ b/img/Archive/project 이미지 생성용.pptx
@@ -7,6 +7,13 @@
   <p:sldIdLst>
     <p:sldId id="256" r:id="rId2"/>
     <p:sldId id="257" r:id="rId3"/>
+    <p:sldId id="258" r:id="rId4"/>
+    <p:sldId id="259" r:id="rId5"/>
+    <p:sldId id="262" r:id="rId6"/>
+    <p:sldId id="260" r:id="rId7"/>
+    <p:sldId id="261" r:id="rId8"/>
+    <p:sldId id="263" r:id="rId9"/>
+    <p:sldId id="264" r:id="rId10"/>
   </p:sldIdLst>
   <p:sldSz cx="9525000" cy="9525000"/>
   <p:notesSz cx="6858000" cy="9144000"/>
@@ -244,7 +251,7 @@
           <a:p>
             <a:fld id="{9E51BA7B-0222-4C3E-873D-3D52E4D99D6F}" type="datetimeFigureOut">
               <a:rPr lang="ko-KR" altLang="en-US" smtClean="0"/>
-              <a:t>2022-02-10 Thu</a:t>
+              <a:t>2022-03-07 Mon</a:t>
             </a:fld>
             <a:endParaRPr lang="ko-KR" altLang="en-US"/>
           </a:p>
@@ -414,7 +421,7 @@
           <a:p>
             <a:fld id="{9E51BA7B-0222-4C3E-873D-3D52E4D99D6F}" type="datetimeFigureOut">
               <a:rPr lang="ko-KR" altLang="en-US" smtClean="0"/>
-              <a:t>2022-02-10 Thu</a:t>
+              <a:t>2022-03-07 Mon</a:t>
             </a:fld>
             <a:endParaRPr lang="ko-KR" altLang="en-US"/>
           </a:p>
@@ -594,7 +601,7 @@
           <a:p>
             <a:fld id="{9E51BA7B-0222-4C3E-873D-3D52E4D99D6F}" type="datetimeFigureOut">
               <a:rPr lang="ko-KR" altLang="en-US" smtClean="0"/>
-              <a:t>2022-02-10 Thu</a:t>
+              <a:t>2022-03-07 Mon</a:t>
             </a:fld>
             <a:endParaRPr lang="ko-KR" altLang="en-US"/>
           </a:p>
@@ -764,7 +771,7 @@
           <a:p>
             <a:fld id="{9E51BA7B-0222-4C3E-873D-3D52E4D99D6F}" type="datetimeFigureOut">
               <a:rPr lang="ko-KR" altLang="en-US" smtClean="0"/>
-              <a:t>2022-02-10 Thu</a:t>
+              <a:t>2022-03-07 Mon</a:t>
             </a:fld>
             <a:endParaRPr lang="ko-KR" altLang="en-US"/>
           </a:p>
@@ -1008,7 +1015,7 @@
           <a:p>
             <a:fld id="{9E51BA7B-0222-4C3E-873D-3D52E4D99D6F}" type="datetimeFigureOut">
               <a:rPr lang="ko-KR" altLang="en-US" smtClean="0"/>
-              <a:t>2022-02-10 Thu</a:t>
+              <a:t>2022-03-07 Mon</a:t>
             </a:fld>
             <a:endParaRPr lang="ko-KR" altLang="en-US"/>
           </a:p>
@@ -1240,7 +1247,7 @@
           <a:p>
             <a:fld id="{9E51BA7B-0222-4C3E-873D-3D52E4D99D6F}" type="datetimeFigureOut">
               <a:rPr lang="ko-KR" altLang="en-US" smtClean="0"/>
-              <a:t>2022-02-10 Thu</a:t>
+              <a:t>2022-03-07 Mon</a:t>
             </a:fld>
             <a:endParaRPr lang="ko-KR" altLang="en-US"/>
           </a:p>
@@ -1607,7 +1614,7 @@
           <a:p>
             <a:fld id="{9E51BA7B-0222-4C3E-873D-3D52E4D99D6F}" type="datetimeFigureOut">
               <a:rPr lang="ko-KR" altLang="en-US" smtClean="0"/>
-              <a:t>2022-02-10 Thu</a:t>
+              <a:t>2022-03-07 Mon</a:t>
             </a:fld>
             <a:endParaRPr lang="ko-KR" altLang="en-US"/>
           </a:p>
@@ -1725,7 +1732,7 @@
           <a:p>
             <a:fld id="{9E51BA7B-0222-4C3E-873D-3D52E4D99D6F}" type="datetimeFigureOut">
               <a:rPr lang="ko-KR" altLang="en-US" smtClean="0"/>
-              <a:t>2022-02-10 Thu</a:t>
+              <a:t>2022-03-07 Mon</a:t>
             </a:fld>
             <a:endParaRPr lang="ko-KR" altLang="en-US"/>
           </a:p>
@@ -1820,7 +1827,7 @@
           <a:p>
             <a:fld id="{9E51BA7B-0222-4C3E-873D-3D52E4D99D6F}" type="datetimeFigureOut">
               <a:rPr lang="ko-KR" altLang="en-US" smtClean="0"/>
-              <a:t>2022-02-10 Thu</a:t>
+              <a:t>2022-03-07 Mon</a:t>
             </a:fld>
             <a:endParaRPr lang="ko-KR" altLang="en-US"/>
           </a:p>
@@ -2097,7 +2104,7 @@
           <a:p>
             <a:fld id="{9E51BA7B-0222-4C3E-873D-3D52E4D99D6F}" type="datetimeFigureOut">
               <a:rPr lang="ko-KR" altLang="en-US" smtClean="0"/>
-              <a:t>2022-02-10 Thu</a:t>
+              <a:t>2022-03-07 Mon</a:t>
             </a:fld>
             <a:endParaRPr lang="ko-KR" altLang="en-US"/>
           </a:p>
@@ -2354,7 +2361,7 @@
           <a:p>
             <a:fld id="{9E51BA7B-0222-4C3E-873D-3D52E4D99D6F}" type="datetimeFigureOut">
               <a:rPr lang="ko-KR" altLang="en-US" smtClean="0"/>
-              <a:t>2022-02-10 Thu</a:t>
+              <a:t>2022-03-07 Mon</a:t>
             </a:fld>
             <a:endParaRPr lang="ko-KR" altLang="en-US"/>
           </a:p>
@@ -2567,7 +2574,7 @@
           <a:p>
             <a:fld id="{9E51BA7B-0222-4C3E-873D-3D52E4D99D6F}" type="datetimeFigureOut">
               <a:rPr lang="ko-KR" altLang="en-US" smtClean="0"/>
-              <a:t>2022-02-10 Thu</a:t>
+              <a:t>2022-03-07 Mon</a:t>
             </a:fld>
             <a:endParaRPr lang="ko-KR" altLang="en-US"/>
           </a:p>
@@ -3378,6 +3385,1261 @@
 </p:sld>
 </file>
 
+<file path=ppt/slides/slide3.xml><?xml version="1.0" encoding="utf-8"?>
+<p:sld xmlns:a="http://schemas.openxmlformats.org/drawingml/2006/main" xmlns:r="http://schemas.openxmlformats.org/officeDocument/2006/relationships" xmlns:p="http://schemas.openxmlformats.org/presentationml/2006/main">
+  <p:cSld>
+    <p:spTree>
+      <p:nvGrpSpPr>
+        <p:cNvPr id="1" name=""/>
+        <p:cNvGrpSpPr/>
+        <p:nvPr/>
+      </p:nvGrpSpPr>
+      <p:grpSpPr>
+        <a:xfrm>
+          <a:off x="0" y="0"/>
+          <a:ext cx="0" cy="0"/>
+          <a:chOff x="0" y="0"/>
+          <a:chExt cx="0" cy="0"/>
+        </a:xfrm>
+      </p:grpSpPr>
+      <p:cxnSp>
+        <p:nvCxnSpPr>
+          <p:cNvPr id="9" name="직선 연결선 8">
+            <a:extLst>
+              <a:ext uri="{FF2B5EF4-FFF2-40B4-BE49-F238E27FC236}">
+                <a16:creationId xmlns:a16="http://schemas.microsoft.com/office/drawing/2014/main" id="{35267511-427B-4B20-848D-A1B101E22C38}"/>
+              </a:ext>
+            </a:extLst>
+          </p:cNvPr>
+          <p:cNvCxnSpPr/>
+          <p:nvPr/>
+        </p:nvCxnSpPr>
+        <p:spPr>
+          <a:xfrm>
+            <a:off x="0" y="9277350"/>
+            <a:ext cx="9525000" cy="0"/>
+          </a:xfrm>
+          <a:prstGeom prst="line">
+            <a:avLst/>
+          </a:prstGeom>
+          <a:ln>
+            <a:noFill/>
+          </a:ln>
+        </p:spPr>
+        <p:style>
+          <a:lnRef idx="1">
+            <a:schemeClr val="accent1"/>
+          </a:lnRef>
+          <a:fillRef idx="0">
+            <a:schemeClr val="accent1"/>
+          </a:fillRef>
+          <a:effectRef idx="0">
+            <a:schemeClr val="accent1"/>
+          </a:effectRef>
+          <a:fontRef idx="minor">
+            <a:schemeClr val="tx1"/>
+          </a:fontRef>
+        </p:style>
+      </p:cxnSp>
+      <p:pic>
+        <p:nvPicPr>
+          <p:cNvPr id="3074" name="Picture 2" descr="Git - Logo Downloads">
+            <a:extLst>
+              <a:ext uri="{FF2B5EF4-FFF2-40B4-BE49-F238E27FC236}">
+                <a16:creationId xmlns:a16="http://schemas.microsoft.com/office/drawing/2014/main" id="{FDC8712B-9F5B-48B3-B33C-D9B62099227E}"/>
+              </a:ext>
+            </a:extLst>
+          </p:cNvPr>
+          <p:cNvPicPr>
+            <a:picLocks noChangeAspect="1" noChangeArrowheads="1"/>
+          </p:cNvPicPr>
+          <p:nvPr/>
+        </p:nvPicPr>
+        <p:blipFill>
+          <a:blip r:embed="rId2">
+            <a:extLst>
+              <a:ext uri="{28A0092B-C50C-407E-A947-70E740481C1C}">
+                <a14:useLocalDpi xmlns:a14="http://schemas.microsoft.com/office/drawing/2010/main" val="0"/>
+              </a:ext>
+            </a:extLst>
+          </a:blip>
+          <a:srcRect/>
+          <a:stretch>
+            <a:fillRect/>
+          </a:stretch>
+        </p:blipFill>
+        <p:spPr bwMode="auto">
+          <a:xfrm>
+            <a:off x="1882500" y="4503759"/>
+            <a:ext cx="5760000" cy="2405275"/>
+          </a:xfrm>
+          <a:prstGeom prst="rect">
+            <a:avLst/>
+          </a:prstGeom>
+          <a:noFill/>
+          <a:extLst>
+            <a:ext uri="{909E8E84-426E-40DD-AFC4-6F175D3DCCD1}">
+              <a14:hiddenFill xmlns:a14="http://schemas.microsoft.com/office/drawing/2010/main">
+                <a:solidFill>
+                  <a:srgbClr val="FFFFFF"/>
+                </a:solidFill>
+              </a14:hiddenFill>
+            </a:ext>
+          </a:extLst>
+        </p:spPr>
+      </p:pic>
+      <p:pic>
+        <p:nvPicPr>
+          <p:cNvPr id="3080" name="Picture 8" descr="Secure Code Warrior Partner | GitHub">
+            <a:extLst>
+              <a:ext uri="{FF2B5EF4-FFF2-40B4-BE49-F238E27FC236}">
+                <a16:creationId xmlns:a16="http://schemas.microsoft.com/office/drawing/2014/main" id="{23D93171-CC4F-43F6-A3AF-A3060AE1E42B}"/>
+              </a:ext>
+            </a:extLst>
+          </p:cNvPr>
+          <p:cNvPicPr>
+            <a:picLocks noChangeAspect="1" noChangeArrowheads="1"/>
+          </p:cNvPicPr>
+          <p:nvPr/>
+        </p:nvPicPr>
+        <p:blipFill>
+          <a:blip r:embed="rId3">
+            <a:extLst>
+              <a:ext uri="{28A0092B-C50C-407E-A947-70E740481C1C}">
+                <a14:useLocalDpi xmlns:a14="http://schemas.microsoft.com/office/drawing/2010/main" val="0"/>
+              </a:ext>
+            </a:extLst>
+          </a:blip>
+          <a:srcRect/>
+          <a:stretch>
+            <a:fillRect/>
+          </a:stretch>
+        </p:blipFill>
+        <p:spPr bwMode="auto">
+          <a:xfrm>
+            <a:off x="1882500" y="2235119"/>
+            <a:ext cx="5760000" cy="1380480"/>
+          </a:xfrm>
+          <a:prstGeom prst="rect">
+            <a:avLst/>
+          </a:prstGeom>
+          <a:noFill/>
+          <a:extLst>
+            <a:ext uri="{909E8E84-426E-40DD-AFC4-6F175D3DCCD1}">
+              <a14:hiddenFill xmlns:a14="http://schemas.microsoft.com/office/drawing/2010/main">
+                <a:solidFill>
+                  <a:srgbClr val="FFFFFF"/>
+                </a:solidFill>
+              </a14:hiddenFill>
+            </a:ext>
+          </a:extLst>
+        </p:spPr>
+      </p:pic>
+    </p:spTree>
+    <p:extLst>
+      <p:ext uri="{BB962C8B-B14F-4D97-AF65-F5344CB8AC3E}">
+        <p14:creationId xmlns:p14="http://schemas.microsoft.com/office/powerpoint/2010/main" val="2449985201"/>
+      </p:ext>
+    </p:extLst>
+  </p:cSld>
+  <p:clrMapOvr>
+    <a:masterClrMapping/>
+  </p:clrMapOvr>
+</p:sld>
+</file>
+
+<file path=ppt/slides/slide4.xml><?xml version="1.0" encoding="utf-8"?>
+<p:sld xmlns:a="http://schemas.openxmlformats.org/drawingml/2006/main" xmlns:r="http://schemas.openxmlformats.org/officeDocument/2006/relationships" xmlns:p="http://schemas.openxmlformats.org/presentationml/2006/main">
+  <p:cSld>
+    <p:spTree>
+      <p:nvGrpSpPr>
+        <p:cNvPr id="1" name=""/>
+        <p:cNvGrpSpPr/>
+        <p:nvPr/>
+      </p:nvGrpSpPr>
+      <p:grpSpPr>
+        <a:xfrm>
+          <a:off x="0" y="0"/>
+          <a:ext cx="0" cy="0"/>
+          <a:chOff x="0" y="0"/>
+          <a:chExt cx="0" cy="0"/>
+        </a:xfrm>
+      </p:grpSpPr>
+      <p:cxnSp>
+        <p:nvCxnSpPr>
+          <p:cNvPr id="9" name="직선 연결선 8">
+            <a:extLst>
+              <a:ext uri="{FF2B5EF4-FFF2-40B4-BE49-F238E27FC236}">
+                <a16:creationId xmlns:a16="http://schemas.microsoft.com/office/drawing/2014/main" id="{35267511-427B-4B20-848D-A1B101E22C38}"/>
+              </a:ext>
+            </a:extLst>
+          </p:cNvPr>
+          <p:cNvCxnSpPr/>
+          <p:nvPr/>
+        </p:nvCxnSpPr>
+        <p:spPr>
+          <a:xfrm>
+            <a:off x="0" y="9277350"/>
+            <a:ext cx="9525000" cy="0"/>
+          </a:xfrm>
+          <a:prstGeom prst="line">
+            <a:avLst/>
+          </a:prstGeom>
+          <a:ln>
+            <a:noFill/>
+          </a:ln>
+        </p:spPr>
+        <p:style>
+          <a:lnRef idx="1">
+            <a:schemeClr val="accent1"/>
+          </a:lnRef>
+          <a:fillRef idx="0">
+            <a:schemeClr val="accent1"/>
+          </a:fillRef>
+          <a:effectRef idx="0">
+            <a:schemeClr val="accent1"/>
+          </a:effectRef>
+          <a:fontRef idx="minor">
+            <a:schemeClr val="tx1"/>
+          </a:fontRef>
+        </p:style>
+      </p:cxnSp>
+      <p:pic>
+        <p:nvPicPr>
+          <p:cNvPr id="6" name="그림 5">
+            <a:extLst>
+              <a:ext uri="{FF2B5EF4-FFF2-40B4-BE49-F238E27FC236}">
+                <a16:creationId xmlns:a16="http://schemas.microsoft.com/office/drawing/2014/main" id="{55FB52B7-9D03-41E6-96CF-2FC982D1A163}"/>
+              </a:ext>
+            </a:extLst>
+          </p:cNvPr>
+          <p:cNvPicPr>
+            <a:picLocks noChangeAspect="1"/>
+          </p:cNvPicPr>
+          <p:nvPr/>
+        </p:nvPicPr>
+        <p:blipFill rotWithShape="1">
+          <a:blip r:embed="rId2">
+            <a:extLst>
+              <a:ext uri="{28A0092B-C50C-407E-A947-70E740481C1C}">
+                <a14:useLocalDpi xmlns:a14="http://schemas.microsoft.com/office/drawing/2010/main" val="0"/>
+              </a:ext>
+            </a:extLst>
+          </a:blip>
+          <a:srcRect l="40092"/>
+          <a:stretch/>
+        </p:blipFill>
+        <p:spPr>
+          <a:xfrm>
+            <a:off x="3436834" y="6813951"/>
+            <a:ext cx="3450720" cy="1533600"/>
+          </a:xfrm>
+          <a:prstGeom prst="rect">
+            <a:avLst/>
+          </a:prstGeom>
+        </p:spPr>
+      </p:pic>
+      <p:pic>
+        <p:nvPicPr>
+          <p:cNvPr id="12" name="그림 11" descr="텍스트, 구급 상자, 벡터그래픽, 클립아트이(가) 표시된 사진&#10;&#10;자동 생성된 설명">
+            <a:extLst>
+              <a:ext uri="{FF2B5EF4-FFF2-40B4-BE49-F238E27FC236}">
+                <a16:creationId xmlns:a16="http://schemas.microsoft.com/office/drawing/2014/main" id="{DC55DC21-3771-4003-90E6-23F44B735E8A}"/>
+              </a:ext>
+            </a:extLst>
+          </p:cNvPr>
+          <p:cNvPicPr>
+            <a:picLocks noChangeAspect="1"/>
+          </p:cNvPicPr>
+          <p:nvPr/>
+        </p:nvPicPr>
+        <p:blipFill rotWithShape="1">
+          <a:blip r:embed="rId3">
+            <a:extLst>
+              <a:ext uri="{28A0092B-C50C-407E-A947-70E740481C1C}">
+                <a14:useLocalDpi xmlns:a14="http://schemas.microsoft.com/office/drawing/2010/main" val="0"/>
+              </a:ext>
+            </a:extLst>
+          </a:blip>
+          <a:srcRect r="57766" b="52678"/>
+          <a:stretch/>
+        </p:blipFill>
+        <p:spPr>
+          <a:xfrm>
+            <a:off x="1608032" y="472311"/>
+            <a:ext cx="1587168" cy="2160000"/>
+          </a:xfrm>
+          <a:prstGeom prst="rect">
+            <a:avLst/>
+          </a:prstGeom>
+        </p:spPr>
+      </p:pic>
+      <p:pic>
+        <p:nvPicPr>
+          <p:cNvPr id="14" name="그림 13" descr="텍스트, 구급 상자, 벡터그래픽, 클립아트이(가) 표시된 사진&#10;&#10;자동 생성된 설명">
+            <a:extLst>
+              <a:ext uri="{FF2B5EF4-FFF2-40B4-BE49-F238E27FC236}">
+                <a16:creationId xmlns:a16="http://schemas.microsoft.com/office/drawing/2014/main" id="{FF24089C-19A9-437F-9913-93BDF46970A2}"/>
+              </a:ext>
+            </a:extLst>
+          </p:cNvPr>
+          <p:cNvPicPr>
+            <a:picLocks noChangeAspect="1"/>
+          </p:cNvPicPr>
+          <p:nvPr/>
+        </p:nvPicPr>
+        <p:blipFill rotWithShape="1">
+          <a:blip r:embed="rId3">
+            <a:extLst>
+              <a:ext uri="{28A0092B-C50C-407E-A947-70E740481C1C}">
+                <a14:useLocalDpi xmlns:a14="http://schemas.microsoft.com/office/drawing/2010/main" val="0"/>
+              </a:ext>
+            </a:extLst>
+          </a:blip>
+          <a:srcRect l="57767" b="52678"/>
+          <a:stretch/>
+        </p:blipFill>
+        <p:spPr>
+          <a:xfrm>
+            <a:off x="6191609" y="472311"/>
+            <a:ext cx="1587169" cy="2160000"/>
+          </a:xfrm>
+          <a:prstGeom prst="rect">
+            <a:avLst/>
+          </a:prstGeom>
+        </p:spPr>
+      </p:pic>
+      <p:pic>
+        <p:nvPicPr>
+          <p:cNvPr id="16" name="그림 15" descr="텍스트, 구급 상자, 벡터그래픽, 클립아트이(가) 표시된 사진&#10;&#10;자동 생성된 설명">
+            <a:extLst>
+              <a:ext uri="{FF2B5EF4-FFF2-40B4-BE49-F238E27FC236}">
+                <a16:creationId xmlns:a16="http://schemas.microsoft.com/office/drawing/2014/main" id="{D2A1C078-3F96-4E8A-B5FB-DE742A8C828F}"/>
+              </a:ext>
+            </a:extLst>
+          </p:cNvPr>
+          <p:cNvPicPr>
+            <a:picLocks noChangeAspect="1"/>
+          </p:cNvPicPr>
+          <p:nvPr/>
+        </p:nvPicPr>
+        <p:blipFill rotWithShape="1">
+          <a:blip r:embed="rId3">
+            <a:extLst>
+              <a:ext uri="{28A0092B-C50C-407E-A947-70E740481C1C}">
+                <a14:useLocalDpi xmlns:a14="http://schemas.microsoft.com/office/drawing/2010/main" val="0"/>
+              </a:ext>
+            </a:extLst>
+          </a:blip>
+          <a:srcRect t="52678" r="57766"/>
+          <a:stretch/>
+        </p:blipFill>
+        <p:spPr>
+          <a:xfrm>
+            <a:off x="3899821" y="472311"/>
+            <a:ext cx="1587168" cy="2160000"/>
+          </a:xfrm>
+          <a:prstGeom prst="rect">
+            <a:avLst/>
+          </a:prstGeom>
+        </p:spPr>
+      </p:pic>
+      <p:pic>
+        <p:nvPicPr>
+          <p:cNvPr id="2050" name="Picture 2">
+            <a:extLst>
+              <a:ext uri="{FF2B5EF4-FFF2-40B4-BE49-F238E27FC236}">
+                <a16:creationId xmlns:a16="http://schemas.microsoft.com/office/drawing/2014/main" id="{13914286-68C2-4CFD-887B-ECACC3BC6439}"/>
+              </a:ext>
+            </a:extLst>
+          </p:cNvPr>
+          <p:cNvPicPr>
+            <a:picLocks noChangeAspect="1" noChangeArrowheads="1"/>
+          </p:cNvPicPr>
+          <p:nvPr/>
+        </p:nvPicPr>
+        <p:blipFill rotWithShape="1">
+          <a:blip r:embed="rId4">
+            <a:extLst>
+              <a:ext uri="{28A0092B-C50C-407E-A947-70E740481C1C}">
+                <a14:useLocalDpi xmlns:a14="http://schemas.microsoft.com/office/drawing/2010/main" val="0"/>
+              </a:ext>
+            </a:extLst>
+          </a:blip>
+          <a:srcRect t="25828" b="25438"/>
+          <a:stretch/>
+        </p:blipFill>
+        <p:spPr bwMode="auto">
+          <a:xfrm>
+            <a:off x="1608032" y="2956417"/>
+            <a:ext cx="5760000" cy="1559496"/>
+          </a:xfrm>
+          <a:prstGeom prst="rect">
+            <a:avLst/>
+          </a:prstGeom>
+          <a:noFill/>
+          <a:extLst>
+            <a:ext uri="{909E8E84-426E-40DD-AFC4-6F175D3DCCD1}">
+              <a14:hiddenFill xmlns:a14="http://schemas.microsoft.com/office/drawing/2010/main">
+                <a:solidFill>
+                  <a:srgbClr val="FFFFFF"/>
+                </a:solidFill>
+              </a14:hiddenFill>
+            </a:ext>
+          </a:extLst>
+        </p:spPr>
+      </p:pic>
+      <p:pic>
+        <p:nvPicPr>
+          <p:cNvPr id="2054" name="Picture 6" descr="React로 만든 프로젝트 톺아보기 | 김정환 블로그">
+            <a:extLst>
+              <a:ext uri="{FF2B5EF4-FFF2-40B4-BE49-F238E27FC236}">
+                <a16:creationId xmlns:a16="http://schemas.microsoft.com/office/drawing/2014/main" id="{FA419B26-457E-4CCC-AEF9-38B6371FC369}"/>
+              </a:ext>
+            </a:extLst>
+          </p:cNvPr>
+          <p:cNvPicPr>
+            <a:picLocks noChangeAspect="1" noChangeArrowheads="1"/>
+          </p:cNvPicPr>
+          <p:nvPr/>
+        </p:nvPicPr>
+        <p:blipFill rotWithShape="1">
+          <a:blip r:embed="rId5">
+            <a:extLst>
+              <a:ext uri="{28A0092B-C50C-407E-A947-70E740481C1C}">
+                <a14:useLocalDpi xmlns:a14="http://schemas.microsoft.com/office/drawing/2010/main" val="0"/>
+              </a:ext>
+            </a:extLst>
+          </a:blip>
+          <a:srcRect l="13974" t="28101" r="14086" b="26557"/>
+          <a:stretch/>
+        </p:blipFill>
+        <p:spPr bwMode="auto">
+          <a:xfrm>
+            <a:off x="1461767" y="4762500"/>
+            <a:ext cx="5040000" cy="1804864"/>
+          </a:xfrm>
+          <a:prstGeom prst="rect">
+            <a:avLst/>
+          </a:prstGeom>
+          <a:noFill/>
+          <a:extLst>
+            <a:ext uri="{909E8E84-426E-40DD-AFC4-6F175D3DCCD1}">
+              <a14:hiddenFill xmlns:a14="http://schemas.microsoft.com/office/drawing/2010/main">
+                <a:solidFill>
+                  <a:srgbClr val="FFFFFF"/>
+                </a:solidFill>
+              </a14:hiddenFill>
+            </a:ext>
+          </a:extLst>
+        </p:spPr>
+      </p:pic>
+      <p:pic>
+        <p:nvPicPr>
+          <p:cNvPr id="22" name="그림 21">
+            <a:extLst>
+              <a:ext uri="{FF2B5EF4-FFF2-40B4-BE49-F238E27FC236}">
+                <a16:creationId xmlns:a16="http://schemas.microsoft.com/office/drawing/2014/main" id="{DB6CEAFA-A10C-4A25-B774-5CB79C4B7F86}"/>
+              </a:ext>
+            </a:extLst>
+          </p:cNvPr>
+          <p:cNvPicPr>
+            <a:picLocks noChangeAspect="1"/>
+          </p:cNvPicPr>
+          <p:nvPr/>
+        </p:nvPicPr>
+        <p:blipFill rotWithShape="1">
+          <a:blip r:embed="rId2">
+            <a:extLst>
+              <a:ext uri="{28A0092B-C50C-407E-A947-70E740481C1C}">
+                <a14:useLocalDpi xmlns:a14="http://schemas.microsoft.com/office/drawing/2010/main" val="0"/>
+              </a:ext>
+            </a:extLst>
+          </a:blip>
+          <a:srcRect r="70377"/>
+          <a:stretch/>
+        </p:blipFill>
+        <p:spPr>
+          <a:xfrm>
+            <a:off x="1608032" y="6813951"/>
+            <a:ext cx="1706315" cy="1533600"/>
+          </a:xfrm>
+          <a:prstGeom prst="rect">
+            <a:avLst/>
+          </a:prstGeom>
+        </p:spPr>
+      </p:pic>
+    </p:spTree>
+    <p:extLst>
+      <p:ext uri="{BB962C8B-B14F-4D97-AF65-F5344CB8AC3E}">
+        <p14:creationId xmlns:p14="http://schemas.microsoft.com/office/powerpoint/2010/main" val="4190293768"/>
+      </p:ext>
+    </p:extLst>
+  </p:cSld>
+  <p:clrMapOvr>
+    <a:masterClrMapping/>
+  </p:clrMapOvr>
+</p:sld>
+</file>
+
+<file path=ppt/slides/slide5.xml><?xml version="1.0" encoding="utf-8"?>
+<p:sld xmlns:a="http://schemas.openxmlformats.org/drawingml/2006/main" xmlns:r="http://schemas.openxmlformats.org/officeDocument/2006/relationships" xmlns:p="http://schemas.openxmlformats.org/presentationml/2006/main">
+  <p:cSld>
+    <p:spTree>
+      <p:nvGrpSpPr>
+        <p:cNvPr id="1" name=""/>
+        <p:cNvGrpSpPr/>
+        <p:nvPr/>
+      </p:nvGrpSpPr>
+      <p:grpSpPr>
+        <a:xfrm>
+          <a:off x="0" y="0"/>
+          <a:ext cx="0" cy="0"/>
+          <a:chOff x="0" y="0"/>
+          <a:chExt cx="0" cy="0"/>
+        </a:xfrm>
+      </p:grpSpPr>
+      <p:pic>
+        <p:nvPicPr>
+          <p:cNvPr id="3" name="Picture 8" descr="vue.js] 웹팩 빌드 방식 없이 .vue(싱글파일컴포넌트) 파일을 사용해야 한다면">
+            <a:extLst>
+              <a:ext uri="{FF2B5EF4-FFF2-40B4-BE49-F238E27FC236}">
+                <a16:creationId xmlns:a16="http://schemas.microsoft.com/office/drawing/2014/main" id="{B54AC30B-6B95-4D27-B206-287C0687A095}"/>
+              </a:ext>
+            </a:extLst>
+          </p:cNvPr>
+          <p:cNvPicPr>
+            <a:picLocks noChangeAspect="1" noChangeArrowheads="1"/>
+          </p:cNvPicPr>
+          <p:nvPr/>
+        </p:nvPicPr>
+        <p:blipFill rotWithShape="1">
+          <a:blip r:embed="rId2">
+            <a:extLst>
+              <a:ext uri="{28A0092B-C50C-407E-A947-70E740481C1C}">
+                <a14:useLocalDpi xmlns:a14="http://schemas.microsoft.com/office/drawing/2010/main" val="0"/>
+              </a:ext>
+            </a:extLst>
+          </a:blip>
+          <a:srcRect l="16882" t="23259" r="22646" b="26331"/>
+          <a:stretch/>
+        </p:blipFill>
+        <p:spPr bwMode="auto">
+          <a:xfrm>
+            <a:off x="1499129" y="1050586"/>
+            <a:ext cx="5400000" cy="1889874"/>
+          </a:xfrm>
+          <a:prstGeom prst="rect">
+            <a:avLst/>
+          </a:prstGeom>
+          <a:noFill/>
+          <a:extLst>
+            <a:ext uri="{909E8E84-426E-40DD-AFC4-6F175D3DCCD1}">
+              <a14:hiddenFill xmlns:a14="http://schemas.microsoft.com/office/drawing/2010/main">
+                <a:solidFill>
+                  <a:srgbClr val="FFFFFF"/>
+                </a:solidFill>
+              </a14:hiddenFill>
+            </a:ext>
+          </a:extLst>
+        </p:spPr>
+      </p:pic>
+    </p:spTree>
+    <p:extLst>
+      <p:ext uri="{BB962C8B-B14F-4D97-AF65-F5344CB8AC3E}">
+        <p14:creationId xmlns:p14="http://schemas.microsoft.com/office/powerpoint/2010/main" val="2276500583"/>
+      </p:ext>
+    </p:extLst>
+  </p:cSld>
+  <p:clrMapOvr>
+    <a:masterClrMapping/>
+  </p:clrMapOvr>
+</p:sld>
+</file>
+
+<file path=ppt/slides/slide6.xml><?xml version="1.0" encoding="utf-8"?>
+<p:sld xmlns:a="http://schemas.openxmlformats.org/drawingml/2006/main" xmlns:r="http://schemas.openxmlformats.org/officeDocument/2006/relationships" xmlns:p="http://schemas.openxmlformats.org/presentationml/2006/main">
+  <p:cSld>
+    <p:spTree>
+      <p:nvGrpSpPr>
+        <p:cNvPr id="1" name=""/>
+        <p:cNvGrpSpPr/>
+        <p:nvPr/>
+      </p:nvGrpSpPr>
+      <p:grpSpPr>
+        <a:xfrm>
+          <a:off x="0" y="0"/>
+          <a:ext cx="0" cy="0"/>
+          <a:chOff x="0" y="0"/>
+          <a:chExt cx="0" cy="0"/>
+        </a:xfrm>
+      </p:grpSpPr>
+      <p:cxnSp>
+        <p:nvCxnSpPr>
+          <p:cNvPr id="9" name="직선 연결선 8">
+            <a:extLst>
+              <a:ext uri="{FF2B5EF4-FFF2-40B4-BE49-F238E27FC236}">
+                <a16:creationId xmlns:a16="http://schemas.microsoft.com/office/drawing/2014/main" id="{35267511-427B-4B20-848D-A1B101E22C38}"/>
+              </a:ext>
+            </a:extLst>
+          </p:cNvPr>
+          <p:cNvCxnSpPr/>
+          <p:nvPr/>
+        </p:nvCxnSpPr>
+        <p:spPr>
+          <a:xfrm>
+            <a:off x="0" y="9277350"/>
+            <a:ext cx="9525000" cy="0"/>
+          </a:xfrm>
+          <a:prstGeom prst="line">
+            <a:avLst/>
+          </a:prstGeom>
+          <a:ln>
+            <a:noFill/>
+          </a:ln>
+        </p:spPr>
+        <p:style>
+          <a:lnRef idx="1">
+            <a:schemeClr val="accent1"/>
+          </a:lnRef>
+          <a:fillRef idx="0">
+            <a:schemeClr val="accent1"/>
+          </a:fillRef>
+          <a:effectRef idx="0">
+            <a:schemeClr val="accent1"/>
+          </a:effectRef>
+          <a:fontRef idx="minor">
+            <a:schemeClr val="tx1"/>
+          </a:fontRef>
+        </p:style>
+      </p:cxnSp>
+      <p:pic>
+        <p:nvPicPr>
+          <p:cNvPr id="5" name="그림 4">
+            <a:extLst>
+              <a:ext uri="{FF2B5EF4-FFF2-40B4-BE49-F238E27FC236}">
+                <a16:creationId xmlns:a16="http://schemas.microsoft.com/office/drawing/2014/main" id="{EDE3BAED-27EE-4A64-AAA0-169A8D3EC51F}"/>
+              </a:ext>
+            </a:extLst>
+          </p:cNvPr>
+          <p:cNvPicPr>
+            <a:picLocks noChangeAspect="1"/>
+          </p:cNvPicPr>
+          <p:nvPr/>
+        </p:nvPicPr>
+        <p:blipFill rotWithShape="1">
+          <a:blip r:embed="rId2">
+            <a:extLst>
+              <a:ext uri="{28A0092B-C50C-407E-A947-70E740481C1C}">
+                <a14:useLocalDpi xmlns:a14="http://schemas.microsoft.com/office/drawing/2010/main" val="0"/>
+              </a:ext>
+            </a:extLst>
+          </a:blip>
+          <a:srcRect t="17845" b="19328"/>
+          <a:stretch/>
+        </p:blipFill>
+        <p:spPr>
+          <a:xfrm>
+            <a:off x="1882500" y="6137842"/>
+            <a:ext cx="5760000" cy="2010462"/>
+          </a:xfrm>
+          <a:prstGeom prst="rect">
+            <a:avLst/>
+          </a:prstGeom>
+        </p:spPr>
+      </p:pic>
+      <p:pic>
+        <p:nvPicPr>
+          <p:cNvPr id="8" name="그림 7">
+            <a:extLst>
+              <a:ext uri="{FF2B5EF4-FFF2-40B4-BE49-F238E27FC236}">
+                <a16:creationId xmlns:a16="http://schemas.microsoft.com/office/drawing/2014/main" id="{50C4F5BE-DA0D-451F-8EB7-BD3A1E6AF4B4}"/>
+              </a:ext>
+            </a:extLst>
+          </p:cNvPr>
+          <p:cNvPicPr>
+            <a:picLocks noChangeAspect="1"/>
+          </p:cNvPicPr>
+          <p:nvPr/>
+        </p:nvPicPr>
+        <p:blipFill>
+          <a:blip r:embed="rId3">
+            <a:extLst>
+              <a:ext uri="{28A0092B-C50C-407E-A947-70E740481C1C}">
+                <a14:useLocalDpi xmlns:a14="http://schemas.microsoft.com/office/drawing/2010/main" val="0"/>
+              </a:ext>
+            </a:extLst>
+          </a:blip>
+          <a:stretch>
+            <a:fillRect/>
+          </a:stretch>
+        </p:blipFill>
+        <p:spPr>
+          <a:xfrm>
+            <a:off x="1882500" y="1130494"/>
+            <a:ext cx="5760000" cy="1467000"/>
+          </a:xfrm>
+          <a:prstGeom prst="rect">
+            <a:avLst/>
+          </a:prstGeom>
+        </p:spPr>
+      </p:pic>
+      <p:pic>
+        <p:nvPicPr>
+          <p:cNvPr id="12" name="그림 11">
+            <a:extLst>
+              <a:ext uri="{FF2B5EF4-FFF2-40B4-BE49-F238E27FC236}">
+                <a16:creationId xmlns:a16="http://schemas.microsoft.com/office/drawing/2014/main" id="{F70B42A2-5238-41F2-82F1-2CE8AAF29348}"/>
+              </a:ext>
+            </a:extLst>
+          </p:cNvPr>
+          <p:cNvPicPr>
+            <a:picLocks noChangeAspect="1"/>
+          </p:cNvPicPr>
+          <p:nvPr/>
+        </p:nvPicPr>
+        <p:blipFill rotWithShape="1">
+          <a:blip r:embed="rId4">
+            <a:extLst>
+              <a:ext uri="{28A0092B-C50C-407E-A947-70E740481C1C}">
+                <a14:useLocalDpi xmlns:a14="http://schemas.microsoft.com/office/drawing/2010/main" val="0"/>
+              </a:ext>
+            </a:extLst>
+          </a:blip>
+          <a:srcRect l="14575" t="30409" r="13721" b="30409"/>
+          <a:stretch/>
+        </p:blipFill>
+        <p:spPr>
+          <a:xfrm>
+            <a:off x="1882500" y="3130470"/>
+            <a:ext cx="5760000" cy="2362463"/>
+          </a:xfrm>
+          <a:prstGeom prst="rect">
+            <a:avLst/>
+          </a:prstGeom>
+        </p:spPr>
+      </p:pic>
+    </p:spTree>
+    <p:extLst>
+      <p:ext uri="{BB962C8B-B14F-4D97-AF65-F5344CB8AC3E}">
+        <p14:creationId xmlns:p14="http://schemas.microsoft.com/office/powerpoint/2010/main" val="4017729982"/>
+      </p:ext>
+    </p:extLst>
+  </p:cSld>
+  <p:clrMapOvr>
+    <a:masterClrMapping/>
+  </p:clrMapOvr>
+</p:sld>
+</file>
+
+<file path=ppt/slides/slide7.xml><?xml version="1.0" encoding="utf-8"?>
+<p:sld xmlns:a="http://schemas.openxmlformats.org/drawingml/2006/main" xmlns:r="http://schemas.openxmlformats.org/officeDocument/2006/relationships" xmlns:p="http://schemas.openxmlformats.org/presentationml/2006/main">
+  <p:cSld>
+    <p:spTree>
+      <p:nvGrpSpPr>
+        <p:cNvPr id="1" name=""/>
+        <p:cNvGrpSpPr/>
+        <p:nvPr/>
+      </p:nvGrpSpPr>
+      <p:grpSpPr>
+        <a:xfrm>
+          <a:off x="0" y="0"/>
+          <a:ext cx="0" cy="0"/>
+          <a:chOff x="0" y="0"/>
+          <a:chExt cx="0" cy="0"/>
+        </a:xfrm>
+      </p:grpSpPr>
+      <p:cxnSp>
+        <p:nvCxnSpPr>
+          <p:cNvPr id="9" name="직선 연결선 8">
+            <a:extLst>
+              <a:ext uri="{FF2B5EF4-FFF2-40B4-BE49-F238E27FC236}">
+                <a16:creationId xmlns:a16="http://schemas.microsoft.com/office/drawing/2014/main" id="{35267511-427B-4B20-848D-A1B101E22C38}"/>
+              </a:ext>
+            </a:extLst>
+          </p:cNvPr>
+          <p:cNvCxnSpPr/>
+          <p:nvPr/>
+        </p:nvCxnSpPr>
+        <p:spPr>
+          <a:xfrm>
+            <a:off x="0" y="9277350"/>
+            <a:ext cx="9525000" cy="0"/>
+          </a:xfrm>
+          <a:prstGeom prst="line">
+            <a:avLst/>
+          </a:prstGeom>
+          <a:ln>
+            <a:noFill/>
+          </a:ln>
+        </p:spPr>
+        <p:style>
+          <a:lnRef idx="1">
+            <a:schemeClr val="accent1"/>
+          </a:lnRef>
+          <a:fillRef idx="0">
+            <a:schemeClr val="accent1"/>
+          </a:fillRef>
+          <a:effectRef idx="0">
+            <a:schemeClr val="accent1"/>
+          </a:effectRef>
+          <a:fontRef idx="minor">
+            <a:schemeClr val="tx1"/>
+          </a:fontRef>
+        </p:style>
+      </p:cxnSp>
+      <p:pic>
+        <p:nvPicPr>
+          <p:cNvPr id="8" name="그림 7">
+            <a:extLst>
+              <a:ext uri="{FF2B5EF4-FFF2-40B4-BE49-F238E27FC236}">
+                <a16:creationId xmlns:a16="http://schemas.microsoft.com/office/drawing/2014/main" id="{CE3405B8-E9CE-4C12-B7B0-BACB1A76FCAB}"/>
+              </a:ext>
+            </a:extLst>
+          </p:cNvPr>
+          <p:cNvPicPr>
+            <a:picLocks noChangeAspect="1"/>
+          </p:cNvPicPr>
+          <p:nvPr/>
+        </p:nvPicPr>
+        <p:blipFill>
+          <a:blip r:embed="rId2">
+            <a:extLst>
+              <a:ext uri="{28A0092B-C50C-407E-A947-70E740481C1C}">
+                <a14:useLocalDpi xmlns:a14="http://schemas.microsoft.com/office/drawing/2010/main" val="0"/>
+              </a:ext>
+            </a:extLst>
+          </a:blip>
+          <a:stretch>
+            <a:fillRect/>
+          </a:stretch>
+        </p:blipFill>
+        <p:spPr>
+          <a:xfrm>
+            <a:off x="1993052" y="4662122"/>
+            <a:ext cx="5760000" cy="1998000"/>
+          </a:xfrm>
+          <a:prstGeom prst="rect">
+            <a:avLst/>
+          </a:prstGeom>
+        </p:spPr>
+      </p:pic>
+      <p:pic>
+        <p:nvPicPr>
+          <p:cNvPr id="1026" name="Picture 2" descr="Python] Web Crawling, Web Scraping">
+            <a:extLst>
+              <a:ext uri="{FF2B5EF4-FFF2-40B4-BE49-F238E27FC236}">
+                <a16:creationId xmlns:a16="http://schemas.microsoft.com/office/drawing/2014/main" id="{BD0BF662-8B27-49F1-AA1E-18708A275A7B}"/>
+              </a:ext>
+            </a:extLst>
+          </p:cNvPr>
+          <p:cNvPicPr>
+            <a:picLocks noChangeAspect="1" noChangeArrowheads="1"/>
+          </p:cNvPicPr>
+          <p:nvPr/>
+        </p:nvPicPr>
+        <p:blipFill rotWithShape="1">
+          <a:blip r:embed="rId3">
+            <a:extLst>
+              <a:ext uri="{28A0092B-C50C-407E-A947-70E740481C1C}">
+                <a14:useLocalDpi xmlns:a14="http://schemas.microsoft.com/office/drawing/2010/main" val="0"/>
+              </a:ext>
+            </a:extLst>
+          </a:blip>
+          <a:srcRect l="21967" t="17775" r="21198" b="15389"/>
+          <a:stretch/>
+        </p:blipFill>
+        <p:spPr bwMode="auto">
+          <a:xfrm>
+            <a:off x="1993052" y="2361234"/>
+            <a:ext cx="5760000" cy="1975591"/>
+          </a:xfrm>
+          <a:prstGeom prst="rect">
+            <a:avLst/>
+          </a:prstGeom>
+          <a:noFill/>
+          <a:extLst>
+            <a:ext uri="{909E8E84-426E-40DD-AFC4-6F175D3DCCD1}">
+              <a14:hiddenFill xmlns:a14="http://schemas.microsoft.com/office/drawing/2010/main">
+                <a:solidFill>
+                  <a:srgbClr val="FFFFFF"/>
+                </a:solidFill>
+              </a14:hiddenFill>
+            </a:ext>
+          </a:extLst>
+        </p:spPr>
+      </p:pic>
+    </p:spTree>
+    <p:extLst>
+      <p:ext uri="{BB962C8B-B14F-4D97-AF65-F5344CB8AC3E}">
+        <p14:creationId xmlns:p14="http://schemas.microsoft.com/office/powerpoint/2010/main" val="1989031762"/>
+      </p:ext>
+    </p:extLst>
+  </p:cSld>
+  <p:clrMapOvr>
+    <a:masterClrMapping/>
+  </p:clrMapOvr>
+</p:sld>
+</file>
+
+<file path=ppt/slides/slide8.xml><?xml version="1.0" encoding="utf-8"?>
+<p:sld xmlns:a="http://schemas.openxmlformats.org/drawingml/2006/main" xmlns:r="http://schemas.openxmlformats.org/officeDocument/2006/relationships" xmlns:p="http://schemas.openxmlformats.org/presentationml/2006/main">
+  <p:cSld>
+    <p:spTree>
+      <p:nvGrpSpPr>
+        <p:cNvPr id="1" name=""/>
+        <p:cNvGrpSpPr/>
+        <p:nvPr/>
+      </p:nvGrpSpPr>
+      <p:grpSpPr>
+        <a:xfrm>
+          <a:off x="0" y="0"/>
+          <a:ext cx="0" cy="0"/>
+          <a:chOff x="0" y="0"/>
+          <a:chExt cx="0" cy="0"/>
+        </a:xfrm>
+      </p:grpSpPr>
+      <p:pic>
+        <p:nvPicPr>
+          <p:cNvPr id="5122" name="Picture 2">
+            <a:extLst>
+              <a:ext uri="{FF2B5EF4-FFF2-40B4-BE49-F238E27FC236}">
+                <a16:creationId xmlns:a16="http://schemas.microsoft.com/office/drawing/2014/main" id="{EB526A61-1119-477C-A4E0-9A8EDED9FFBF}"/>
+              </a:ext>
+            </a:extLst>
+          </p:cNvPr>
+          <p:cNvPicPr>
+            <a:picLocks noChangeAspect="1" noChangeArrowheads="1"/>
+          </p:cNvPicPr>
+          <p:nvPr/>
+        </p:nvPicPr>
+        <p:blipFill>
+          <a:blip r:embed="rId2">
+            <a:extLst>
+              <a:ext uri="{28A0092B-C50C-407E-A947-70E740481C1C}">
+                <a14:useLocalDpi xmlns:a14="http://schemas.microsoft.com/office/drawing/2010/main" val="0"/>
+              </a:ext>
+            </a:extLst>
+          </a:blip>
+          <a:srcRect/>
+          <a:stretch>
+            <a:fillRect/>
+          </a:stretch>
+        </p:blipFill>
+        <p:spPr bwMode="auto">
+          <a:xfrm>
+            <a:off x="1882500" y="2483252"/>
+            <a:ext cx="5760000" cy="1565760"/>
+          </a:xfrm>
+          <a:prstGeom prst="rect">
+            <a:avLst/>
+          </a:prstGeom>
+          <a:noFill/>
+          <a:extLst>
+            <a:ext uri="{909E8E84-426E-40DD-AFC4-6F175D3DCCD1}">
+              <a14:hiddenFill xmlns:a14="http://schemas.microsoft.com/office/drawing/2010/main">
+                <a:solidFill>
+                  <a:srgbClr val="FFFFFF"/>
+                </a:solidFill>
+              </a14:hiddenFill>
+            </a:ext>
+          </a:extLst>
+        </p:spPr>
+      </p:pic>
+      <p:pic>
+        <p:nvPicPr>
+          <p:cNvPr id="5124" name="Picture 4">
+            <a:extLst>
+              <a:ext uri="{FF2B5EF4-FFF2-40B4-BE49-F238E27FC236}">
+                <a16:creationId xmlns:a16="http://schemas.microsoft.com/office/drawing/2014/main" id="{E17DB149-4E95-434C-878A-84DB653E67B2}"/>
+              </a:ext>
+            </a:extLst>
+          </p:cNvPr>
+          <p:cNvPicPr>
+            <a:picLocks noChangeAspect="1" noChangeArrowheads="1"/>
+          </p:cNvPicPr>
+          <p:nvPr/>
+        </p:nvPicPr>
+        <p:blipFill>
+          <a:blip r:embed="rId3">
+            <a:extLst>
+              <a:ext uri="{28A0092B-C50C-407E-A947-70E740481C1C}">
+                <a14:useLocalDpi xmlns:a14="http://schemas.microsoft.com/office/drawing/2010/main" val="0"/>
+              </a:ext>
+            </a:extLst>
+          </a:blip>
+          <a:srcRect/>
+          <a:stretch>
+            <a:fillRect/>
+          </a:stretch>
+        </p:blipFill>
+        <p:spPr bwMode="auto">
+          <a:xfrm>
+            <a:off x="1882500" y="4314464"/>
+            <a:ext cx="5760000" cy="2164800"/>
+          </a:xfrm>
+          <a:prstGeom prst="rect">
+            <a:avLst/>
+          </a:prstGeom>
+          <a:noFill/>
+          <a:extLst>
+            <a:ext uri="{909E8E84-426E-40DD-AFC4-6F175D3DCCD1}">
+              <a14:hiddenFill xmlns:a14="http://schemas.microsoft.com/office/drawing/2010/main">
+                <a:solidFill>
+                  <a:srgbClr val="FFFFFF"/>
+                </a:solidFill>
+              </a14:hiddenFill>
+            </a:ext>
+          </a:extLst>
+        </p:spPr>
+      </p:pic>
+    </p:spTree>
+    <p:extLst>
+      <p:ext uri="{BB962C8B-B14F-4D97-AF65-F5344CB8AC3E}">
+        <p14:creationId xmlns:p14="http://schemas.microsoft.com/office/powerpoint/2010/main" val="3830764543"/>
+      </p:ext>
+    </p:extLst>
+  </p:cSld>
+  <p:clrMapOvr>
+    <a:masterClrMapping/>
+  </p:clrMapOvr>
+</p:sld>
+</file>
+
+<file path=ppt/slides/slide9.xml><?xml version="1.0" encoding="utf-8"?>
+<p:sld xmlns:a="http://schemas.openxmlformats.org/drawingml/2006/main" xmlns:r="http://schemas.openxmlformats.org/officeDocument/2006/relationships" xmlns:p="http://schemas.openxmlformats.org/presentationml/2006/main">
+  <p:cSld>
+    <p:spTree>
+      <p:nvGrpSpPr>
+        <p:cNvPr id="1" name=""/>
+        <p:cNvGrpSpPr/>
+        <p:nvPr/>
+      </p:nvGrpSpPr>
+      <p:grpSpPr>
+        <a:xfrm>
+          <a:off x="0" y="0"/>
+          <a:ext cx="0" cy="0"/>
+          <a:chOff x="0" y="0"/>
+          <a:chExt cx="0" cy="0"/>
+        </a:xfrm>
+      </p:grpSpPr>
+      <p:grpSp>
+        <p:nvGrpSpPr>
+          <p:cNvPr id="3" name="그룹 2">
+            <a:extLst>
+              <a:ext uri="{FF2B5EF4-FFF2-40B4-BE49-F238E27FC236}">
+                <a16:creationId xmlns:a16="http://schemas.microsoft.com/office/drawing/2014/main" id="{717CAEB5-DD87-426F-BC77-8FA952ABF755}"/>
+              </a:ext>
+            </a:extLst>
+          </p:cNvPr>
+          <p:cNvGrpSpPr/>
+          <p:nvPr/>
+        </p:nvGrpSpPr>
+        <p:grpSpPr>
+          <a:xfrm>
+            <a:off x="4061782" y="3502260"/>
+            <a:ext cx="1569660" cy="1541358"/>
+            <a:chOff x="4014787" y="3235637"/>
+            <a:chExt cx="1569660" cy="1541358"/>
+          </a:xfrm>
+        </p:grpSpPr>
+        <p:pic>
+          <p:nvPicPr>
+            <p:cNvPr id="7" name="그림 6">
+              <a:extLst>
+                <a:ext uri="{FF2B5EF4-FFF2-40B4-BE49-F238E27FC236}">
+                  <a16:creationId xmlns:a16="http://schemas.microsoft.com/office/drawing/2014/main" id="{647504D0-AB2B-479E-9549-B6F1A01057EA}"/>
+                </a:ext>
+              </a:extLst>
+            </p:cNvPr>
+            <p:cNvPicPr>
+              <a:picLocks noChangeAspect="1"/>
+            </p:cNvPicPr>
+            <p:nvPr/>
+          </p:nvPicPr>
+          <p:blipFill>
+            <a:blip r:embed="rId2">
+              <a:extLst>
+                <a:ext uri="{28A0092B-C50C-407E-A947-70E740481C1C}">
+                  <a14:useLocalDpi xmlns:a14="http://schemas.microsoft.com/office/drawing/2010/main" val="0"/>
+                </a:ext>
+              </a:extLst>
+            </a:blip>
+            <a:stretch>
+              <a:fillRect/>
+            </a:stretch>
+          </p:blipFill>
+          <p:spPr>
+            <a:xfrm>
+              <a:off x="4042500" y="3235637"/>
+              <a:ext cx="1440000" cy="1407137"/>
+            </a:xfrm>
+            <a:prstGeom prst="rect">
+              <a:avLst/>
+            </a:prstGeom>
+          </p:spPr>
+        </p:pic>
+        <p:sp>
+          <p:nvSpPr>
+            <p:cNvPr id="2" name="TextBox 1">
+              <a:extLst>
+                <a:ext uri="{FF2B5EF4-FFF2-40B4-BE49-F238E27FC236}">
+                  <a16:creationId xmlns:a16="http://schemas.microsoft.com/office/drawing/2014/main" id="{2DDA05D6-595A-49B8-BDA6-0E8A15615A13}"/>
+                </a:ext>
+              </a:extLst>
+            </p:cNvPr>
+            <p:cNvSpPr txBox="1"/>
+            <p:nvPr/>
+          </p:nvSpPr>
+          <p:spPr>
+            <a:xfrm>
+              <a:off x="4014787" y="4407663"/>
+              <a:ext cx="1569660" cy="369332"/>
+            </a:xfrm>
+            <a:prstGeom prst="rect">
+              <a:avLst/>
+            </a:prstGeom>
+            <a:noFill/>
+          </p:spPr>
+          <p:txBody>
+            <a:bodyPr wrap="none" rtlCol="0">
+              <a:spAutoFit/>
+            </a:bodyPr>
+            <a:lstStyle/>
+            <a:p>
+              <a:r>
+                <a:rPr lang="ko-KR" altLang="en-US" dirty="0">
+                  <a:latin typeface="HY헤드라인M" panose="02030600000101010101" pitchFamily="18" charset="-127"/>
+                  <a:ea typeface="HY헤드라인M" panose="02030600000101010101" pitchFamily="18" charset="-127"/>
+                </a:rPr>
+                <a:t>정보처리기사</a:t>
+              </a:r>
+            </a:p>
+          </p:txBody>
+        </p:sp>
+      </p:grpSp>
+      <p:grpSp>
+        <p:nvGrpSpPr>
+          <p:cNvPr id="4" name="그룹 3">
+            <a:extLst>
+              <a:ext uri="{FF2B5EF4-FFF2-40B4-BE49-F238E27FC236}">
+                <a16:creationId xmlns:a16="http://schemas.microsoft.com/office/drawing/2014/main" id="{DA289A93-4EE1-463C-8E84-A8A45C24DD7A}"/>
+              </a:ext>
+            </a:extLst>
+          </p:cNvPr>
+          <p:cNvGrpSpPr/>
+          <p:nvPr/>
+        </p:nvGrpSpPr>
+        <p:grpSpPr>
+          <a:xfrm>
+            <a:off x="4007721" y="5185917"/>
+            <a:ext cx="1784463" cy="662929"/>
+            <a:chOff x="3954381" y="5117337"/>
+            <a:chExt cx="1784463" cy="662929"/>
+          </a:xfrm>
+        </p:grpSpPr>
+        <p:pic>
+          <p:nvPicPr>
+            <p:cNvPr id="11" name="그림 10">
+              <a:extLst>
+                <a:ext uri="{FF2B5EF4-FFF2-40B4-BE49-F238E27FC236}">
+                  <a16:creationId xmlns:a16="http://schemas.microsoft.com/office/drawing/2014/main" id="{A51B00AD-2E4F-4D36-B7F8-97B9ED380257}"/>
+                </a:ext>
+              </a:extLst>
+            </p:cNvPr>
+            <p:cNvPicPr>
+              <a:picLocks noChangeAspect="1"/>
+            </p:cNvPicPr>
+            <p:nvPr/>
+          </p:nvPicPr>
+          <p:blipFill>
+            <a:blip r:embed="rId3">
+              <a:extLst>
+                <a:ext uri="{28A0092B-C50C-407E-A947-70E740481C1C}">
+                  <a14:useLocalDpi xmlns:a14="http://schemas.microsoft.com/office/drawing/2010/main" val="0"/>
+                </a:ext>
+              </a:extLst>
+            </a:blip>
+            <a:stretch>
+              <a:fillRect/>
+            </a:stretch>
+          </p:blipFill>
+          <p:spPr>
+            <a:xfrm>
+              <a:off x="4138612" y="5117337"/>
+              <a:ext cx="1247775" cy="285750"/>
+            </a:xfrm>
+            <a:prstGeom prst="rect">
+              <a:avLst/>
+            </a:prstGeom>
+          </p:spPr>
+        </p:pic>
+        <p:sp>
+          <p:nvSpPr>
+            <p:cNvPr id="5" name="TextBox 4">
+              <a:extLst>
+                <a:ext uri="{FF2B5EF4-FFF2-40B4-BE49-F238E27FC236}">
+                  <a16:creationId xmlns:a16="http://schemas.microsoft.com/office/drawing/2014/main" id="{4B742EB4-B541-4515-A3A4-8280A8D91746}"/>
+                </a:ext>
+              </a:extLst>
+            </p:cNvPr>
+            <p:cNvSpPr txBox="1"/>
+            <p:nvPr/>
+          </p:nvSpPr>
+          <p:spPr>
+            <a:xfrm>
+              <a:off x="3954381" y="5472489"/>
+              <a:ext cx="1784463" cy="307777"/>
+            </a:xfrm>
+            <a:prstGeom prst="rect">
+              <a:avLst/>
+            </a:prstGeom>
+            <a:noFill/>
+          </p:spPr>
+          <p:txBody>
+            <a:bodyPr wrap="none" rtlCol="0">
+              <a:spAutoFit/>
+            </a:bodyPr>
+            <a:lstStyle/>
+            <a:p>
+              <a:r>
+                <a:rPr lang="ko-KR" altLang="en-US" sz="1400" dirty="0">
+                  <a:latin typeface="HY헤드라인M" panose="02030600000101010101" pitchFamily="18" charset="-127"/>
+                  <a:ea typeface="HY헤드라인M" panose="02030600000101010101" pitchFamily="18" charset="-127"/>
+                </a:rPr>
+                <a:t>컴퓨터활용능력 </a:t>
+              </a:r>
+              <a:r>
+                <a:rPr lang="en-US" altLang="ko-KR" sz="1400" dirty="0">
+                  <a:latin typeface="HY헤드라인M" panose="02030600000101010101" pitchFamily="18" charset="-127"/>
+                  <a:ea typeface="HY헤드라인M" panose="02030600000101010101" pitchFamily="18" charset="-127"/>
+                </a:rPr>
+                <a:t>2</a:t>
+              </a:r>
+              <a:r>
+                <a:rPr lang="ko-KR" altLang="en-US" sz="1400" dirty="0">
+                  <a:latin typeface="HY헤드라인M" panose="02030600000101010101" pitchFamily="18" charset="-127"/>
+                  <a:ea typeface="HY헤드라인M" panose="02030600000101010101" pitchFamily="18" charset="-127"/>
+                </a:rPr>
+                <a:t>급</a:t>
+              </a:r>
+            </a:p>
+          </p:txBody>
+        </p:sp>
+      </p:grpSp>
+    </p:spTree>
+    <p:extLst>
+      <p:ext uri="{BB962C8B-B14F-4D97-AF65-F5344CB8AC3E}">
+        <p14:creationId xmlns:p14="http://schemas.microsoft.com/office/powerpoint/2010/main" val="2105855973"/>
+      </p:ext>
+    </p:extLst>
+  </p:cSld>
+  <p:clrMapOvr>
+    <a:masterClrMapping/>
+  </p:clrMapOvr>
+</p:sld>
+</file>
+
 <file path=ppt/theme/theme1.xml><?xml version="1.0" encoding="utf-8"?>
 <a:theme xmlns:a="http://schemas.openxmlformats.org/drawingml/2006/main" name="Office 테마">
   <a:themeElements>
